--- a/46205958_Raviteja M A_JFS.pptx
+++ b/46205958_Raviteja M A_JFS.pptx
@@ -262,7 +262,7 @@
           <a:p>
             <a:fld id="{1D8BD707-D9CF-40AE-B4C6-C98DA3205C09}" type="datetimeFigureOut">
               <a:rPr lang="en-US"/>
-              <a:t>6/20/2022</a:t>
+              <a:t>6/21/2022</a:t>
             </a:fld>
             <a:endParaRPr lang="en-US"/>
           </a:p>
@@ -433,7 +433,7 @@
           <a:p>
             <a:fld id="{1D8BD707-D9CF-40AE-B4C6-C98DA3205C09}" type="datetimeFigureOut">
               <a:rPr lang="en-US"/>
-              <a:t>6/20/2022</a:t>
+              <a:t>6/21/2022</a:t>
             </a:fld>
             <a:endParaRPr lang="en-US"/>
           </a:p>
@@ -647,7 +647,7 @@
           <a:p>
             <a:fld id="{1D8BD707-D9CF-40AE-B4C6-C98DA3205C09}" type="datetimeFigureOut">
               <a:rPr lang="en-US"/>
-              <a:t>6/20/2022</a:t>
+              <a:t>6/21/2022</a:t>
             </a:fld>
             <a:endParaRPr lang="en-US"/>
           </a:p>
@@ -795,7 +795,7 @@
           <a:p>
             <a:fld id="{1D8BD707-D9CF-40AE-B4C6-C98DA3205C09}" type="datetimeFigureOut">
               <a:rPr lang="en-US"/>
-              <a:t>6/20/2022</a:t>
+              <a:t>6/21/2022</a:t>
             </a:fld>
             <a:endParaRPr lang="en-US"/>
           </a:p>
@@ -914,7 +914,7 @@
           <a:p>
             <a:fld id="{1D8BD707-D9CF-40AE-B4C6-C98DA3205C09}" type="datetimeFigureOut">
               <a:rPr lang="en-US"/>
-              <a:t>6/20/2022</a:t>
+              <a:t>6/21/2022</a:t>
             </a:fld>
             <a:endParaRPr lang="en-US"/>
           </a:p>
@@ -1475,7 +1475,7 @@
           <a:p>
             <a:fld id="{1D8BD707-D9CF-40AE-B4C6-C98DA3205C09}" type="datetimeFigureOut">
               <a:rPr lang="en-US"/>
-              <a:t>6/20/2022</a:t>
+              <a:t>6/21/2022</a:t>
             </a:fld>
             <a:endParaRPr lang="en-US"/>
           </a:p>
@@ -4031,7 +4031,7 @@
         <p:spPr>
           <a:xfrm>
             <a:off x="406095" y="3969156"/>
-            <a:ext cx="3731260" cy="373380"/>
+            <a:ext cx="3731260" cy="346441"/>
           </a:xfrm>
           <a:prstGeom prst="rect">
             <a:avLst/>
@@ -4129,6 +4129,34 @@
               <a:t>Stack</a:t>
             </a:r>
             <a:r>
+              <a:rPr lang="en-IN" sz="1000" b="1" spc="10" dirty="0">
+                <a:latin typeface="Verdana"/>
+                <a:cs typeface="Verdana"/>
+              </a:rPr>
+              <a:t> With React</a:t>
+            </a:r>
+            <a:r>
+              <a:rPr sz="1000" b="1" spc="-10" dirty="0">
+                <a:latin typeface="Verdana"/>
+                <a:cs typeface="Verdana"/>
+              </a:rPr>
+              <a:t>, </a:t>
+            </a:r>
+            <a:r>
+              <a:rPr sz="1000" b="1" spc="-325" dirty="0">
+                <a:latin typeface="Verdana"/>
+                <a:cs typeface="Verdana"/>
+              </a:rPr>
+              <a:t> </a:t>
+            </a:r>
+            <a:r>
+              <a:rPr sz="1000" b="1" spc="-10" dirty="0">
+                <a:latin typeface="Verdana"/>
+                <a:cs typeface="Verdana"/>
+              </a:rPr>
+              <a:t>Spring</a:t>
+            </a:r>
+            <a:r>
               <a:rPr sz="1000" b="1" spc="10" dirty="0">
                 <a:latin typeface="Verdana"/>
                 <a:cs typeface="Verdana"/>
@@ -4136,31 +4164,45 @@
               <a:t> </a:t>
             </a:r>
             <a:r>
+              <a:rPr sz="1000" b="1" spc="-5" dirty="0">
+                <a:latin typeface="Verdana"/>
+                <a:cs typeface="Verdana"/>
+              </a:rPr>
+              <a:t>Boot</a:t>
+            </a:r>
+            <a:r>
+              <a:rPr sz="1000" b="1" spc="5" dirty="0">
+                <a:latin typeface="Verdana"/>
+                <a:cs typeface="Verdana"/>
+              </a:rPr>
+              <a:t> </a:t>
+            </a:r>
+            <a:r>
+              <a:rPr sz="1000" b="1" spc="-5" dirty="0">
+                <a:latin typeface="Verdana"/>
+                <a:cs typeface="Verdana"/>
+              </a:rPr>
+              <a:t>MS</a:t>
+            </a:r>
+            <a:r>
+              <a:rPr sz="1000" b="1" dirty="0">
+                <a:latin typeface="Verdana"/>
+                <a:cs typeface="Verdana"/>
+              </a:rPr>
+              <a:t> </a:t>
+            </a:r>
+            <a:r>
+              <a:rPr sz="1000" b="1" spc="-5" dirty="0">
+                <a:latin typeface="Verdana"/>
+                <a:cs typeface="Verdana"/>
+              </a:rPr>
+              <a:t>&amp;</a:t>
+            </a:r>
+            <a:r>
               <a:rPr sz="1000" b="1" spc="-10" dirty="0">
                 <a:latin typeface="Verdana"/>
                 <a:cs typeface="Verdana"/>
               </a:rPr>
-              <a:t>Angular, </a:t>
-            </a:r>
-            <a:r>
-              <a:rPr sz="1000" b="1" spc="-325" dirty="0">
-                <a:latin typeface="Verdana"/>
-                <a:cs typeface="Verdana"/>
-              </a:rPr>
-              <a:t> </a:t>
-            </a:r>
-            <a:r>
-              <a:rPr sz="1000" b="1" spc="-10" dirty="0">
-                <a:latin typeface="Verdana"/>
-                <a:cs typeface="Verdana"/>
-              </a:rPr>
-              <a:t>Spring</a:t>
-            </a:r>
-            <a:r>
-              <a:rPr sz="1000" b="1" spc="10" dirty="0">
-                <a:latin typeface="Verdana"/>
-                <a:cs typeface="Verdana"/>
-              </a:rPr>
               <a:t> </a:t>
             </a:r>
             <a:r>
@@ -4168,51 +4210,9 @@
                 <a:latin typeface="Verdana"/>
                 <a:cs typeface="Verdana"/>
               </a:rPr>
-              <a:t>Boot</a:t>
-            </a:r>
-            <a:r>
-              <a:rPr sz="1000" b="1" spc="5" dirty="0">
-                <a:latin typeface="Verdana"/>
-                <a:cs typeface="Verdana"/>
-              </a:rPr>
-              <a:t> </a:t>
-            </a:r>
-            <a:r>
-              <a:rPr sz="1000" b="1" spc="-5" dirty="0">
-                <a:latin typeface="Verdana"/>
-                <a:cs typeface="Verdana"/>
-              </a:rPr>
-              <a:t>MS</a:t>
-            </a:r>
-            <a:r>
-              <a:rPr sz="1000" b="1" dirty="0">
-                <a:latin typeface="Verdana"/>
-                <a:cs typeface="Verdana"/>
-              </a:rPr>
-              <a:t> </a:t>
-            </a:r>
-            <a:r>
-              <a:rPr sz="1000" b="1" spc="-5" dirty="0">
-                <a:latin typeface="Verdana"/>
-                <a:cs typeface="Verdana"/>
-              </a:rPr>
-              <a:t>&amp;</a:t>
-            </a:r>
-            <a:r>
-              <a:rPr sz="1000" b="1" spc="-10" dirty="0">
-                <a:latin typeface="Verdana"/>
-                <a:cs typeface="Verdana"/>
-              </a:rPr>
-              <a:t> </a:t>
-            </a:r>
-            <a:r>
-              <a:rPr sz="1000" b="1" spc="-5" dirty="0">
-                <a:latin typeface="Verdana"/>
-                <a:cs typeface="Verdana"/>
-              </a:rPr>
               <a:t>MongoDB</a:t>
             </a:r>
-            <a:endParaRPr sz="1000">
+            <a:endParaRPr sz="1000" dirty="0">
               <a:latin typeface="Verdana"/>
               <a:cs typeface="Verdana"/>
             </a:endParaRPr>

--- a/46205958_Raviteja M A_JFS.pptx
+++ b/46205958_Raviteja M A_JFS.pptx
@@ -3672,7 +3672,7 @@
               </a:rPr>
               <a:t>Strengths</a:t>
             </a:r>
-            <a:endParaRPr sz="1200">
+            <a:endParaRPr sz="1200" dirty="0">
               <a:latin typeface="Verdana"/>
               <a:cs typeface="Verdana"/>
             </a:endParaRPr>
@@ -3721,7 +3721,7 @@
               </a:rPr>
               <a:t>Developer</a:t>
             </a:r>
-            <a:endParaRPr sz="1200">
+            <a:endParaRPr sz="1200" dirty="0">
               <a:latin typeface="Verdana"/>
               <a:cs typeface="Verdana"/>
             </a:endParaRPr>
@@ -3789,7 +3789,7 @@
               </a:rPr>
               <a:t>java programming.</a:t>
             </a:r>
-            <a:endParaRPr sz="1000">
+            <a:endParaRPr sz="1000" dirty="0">
               <a:latin typeface="Verdana"/>
               <a:cs typeface="Verdana"/>
             </a:endParaRPr>
@@ -4988,7 +4988,7 @@
         <p:spPr>
           <a:xfrm>
             <a:off x="9446132" y="351866"/>
-            <a:ext cx="2248535" cy="698500"/>
+            <a:ext cx="2974468" cy="689932"/>
           </a:xfrm>
           <a:prstGeom prst="rect">
             <a:avLst/>
@@ -5140,7 +5140,7 @@
                 <a:latin typeface="Verdana"/>
                 <a:cs typeface="Verdana"/>
               </a:rPr>
-              <a:t>Electrical and Electronics</a:t>
+              <a:t>Electrical and Electronics : 2017-2021</a:t>
             </a:r>
             <a:endParaRPr sz="1100" dirty="0">
               <a:latin typeface="Verdana"/>
